--- a/.lessons (az)/45 TestRail/1 TestRail.pptx
+++ b/.lessons (az)/45 TestRail/1 TestRail.pptx
@@ -5,7 +5,7 @@
     <p:sldMasterId id="2147483648" r:id="rId1"/>
   </p:sldMasterIdLst>
   <p:notesMasterIdLst>
-    <p:notesMasterId r:id="rId7"/>
+    <p:notesMasterId r:id="rId13"/>
   </p:notesMasterIdLst>
   <p:sldIdLst>
     <p:sldId id="430" r:id="rId2"/>
@@ -13,6 +13,12 @@
     <p:sldId id="432" r:id="rId4"/>
     <p:sldId id="433" r:id="rId5"/>
     <p:sldId id="434" r:id="rId6"/>
+    <p:sldId id="435" r:id="rId7"/>
+    <p:sldId id="436" r:id="rId8"/>
+    <p:sldId id="437" r:id="rId9"/>
+    <p:sldId id="438" r:id="rId10"/>
+    <p:sldId id="439" r:id="rId11"/>
+    <p:sldId id="440" r:id="rId12"/>
   </p:sldIdLst>
   <p:sldSz cx="12192000" cy="6858000"/>
   <p:notesSz cx="6858000" cy="9144000"/>
@@ -576,6 +582,222 @@
 </p:notes>
 </file>
 
+<file path=ppt/notesSlides/notesSlide10.xml><?xml version="1.0" encoding="utf-8"?>
+<p:notes xmlns:a="http://schemas.openxmlformats.org/drawingml/2006/main" xmlns:r="http://schemas.openxmlformats.org/officeDocument/2006/relationships" xmlns:p="http://schemas.openxmlformats.org/presentationml/2006/main">
+  <p:cSld>
+    <p:spTree>
+      <p:nvGrpSpPr>
+        <p:cNvPr id="1" name="">
+          <a:extLst>
+            <a:ext uri="{FF2B5EF4-FFF2-40B4-BE49-F238E27FC236}">
+              <a16:creationId xmlns:a16="http://schemas.microsoft.com/office/drawing/2014/main" id="{2651C239-7500-39F4-CBDB-86C3A56C94D4}"/>
+            </a:ext>
+          </a:extLst>
+        </p:cNvPr>
+        <p:cNvGrpSpPr/>
+        <p:nvPr/>
+      </p:nvGrpSpPr>
+      <p:grpSpPr>
+        <a:xfrm>
+          <a:off x="0" y="0"/>
+          <a:ext cx="0" cy="0"/>
+          <a:chOff x="0" y="0"/>
+          <a:chExt cx="0" cy="0"/>
+        </a:xfrm>
+      </p:grpSpPr>
+      <p:sp>
+        <p:nvSpPr>
+          <p:cNvPr id="2" name="Slide Image Placeholder 1">
+            <a:extLst>
+              <a:ext uri="{FF2B5EF4-FFF2-40B4-BE49-F238E27FC236}">
+                <a16:creationId xmlns:a16="http://schemas.microsoft.com/office/drawing/2014/main" id="{21A0F740-46B1-5C8F-56AC-5FB34EC75E6E}"/>
+              </a:ext>
+            </a:extLst>
+          </p:cNvPr>
+          <p:cNvSpPr>
+            <a:spLocks noGrp="1" noRot="1" noChangeAspect="1"/>
+          </p:cNvSpPr>
+          <p:nvPr>
+            <p:ph type="sldImg"/>
+          </p:nvPr>
+        </p:nvSpPr>
+        <p:spPr/>
+      </p:sp>
+      <p:sp>
+        <p:nvSpPr>
+          <p:cNvPr id="3" name="Notes Placeholder 2">
+            <a:extLst>
+              <a:ext uri="{FF2B5EF4-FFF2-40B4-BE49-F238E27FC236}">
+                <a16:creationId xmlns:a16="http://schemas.microsoft.com/office/drawing/2014/main" id="{8D6D2D18-3E2B-825C-5645-E52199346EB4}"/>
+              </a:ext>
+            </a:extLst>
+          </p:cNvPr>
+          <p:cNvSpPr>
+            <a:spLocks noGrp="1"/>
+          </p:cNvSpPr>
+          <p:nvPr>
+            <p:ph type="body" idx="1"/>
+          </p:nvPr>
+        </p:nvSpPr>
+        <p:spPr/>
+        <p:txBody>
+          <a:bodyPr/>
+          <a:lstStyle/>
+          <a:p>
+            <a:endParaRPr lang="en-US"/>
+          </a:p>
+        </p:txBody>
+      </p:sp>
+      <p:sp>
+        <p:nvSpPr>
+          <p:cNvPr id="4" name="Slide Number Placeholder 3">
+            <a:extLst>
+              <a:ext uri="{FF2B5EF4-FFF2-40B4-BE49-F238E27FC236}">
+                <a16:creationId xmlns:a16="http://schemas.microsoft.com/office/drawing/2014/main" id="{25570544-95EB-D68A-1E1B-0C0CBD56910A}"/>
+              </a:ext>
+            </a:extLst>
+          </p:cNvPr>
+          <p:cNvSpPr>
+            <a:spLocks noGrp="1"/>
+          </p:cNvSpPr>
+          <p:nvPr>
+            <p:ph type="sldNum" sz="quarter" idx="5"/>
+          </p:nvPr>
+        </p:nvSpPr>
+        <p:spPr/>
+        <p:txBody>
+          <a:bodyPr/>
+          <a:lstStyle/>
+          <a:p>
+            <a:fld id="{659E7695-2856-4E04-B435-7203877CB9AD}" type="slidenum">
+              <a:rPr lang="en-US" smtClean="0"/>
+              <a:t>10</a:t>
+            </a:fld>
+            <a:endParaRPr lang="en-US"/>
+          </a:p>
+        </p:txBody>
+      </p:sp>
+    </p:spTree>
+    <p:extLst>
+      <p:ext uri="{BB962C8B-B14F-4D97-AF65-F5344CB8AC3E}">
+        <p14:creationId xmlns:p14="http://schemas.microsoft.com/office/powerpoint/2010/main" val="3040342576"/>
+      </p:ext>
+    </p:extLst>
+  </p:cSld>
+  <p:clrMapOvr>
+    <a:masterClrMapping/>
+  </p:clrMapOvr>
+</p:notes>
+</file>
+
+<file path=ppt/notesSlides/notesSlide11.xml><?xml version="1.0" encoding="utf-8"?>
+<p:notes xmlns:a="http://schemas.openxmlformats.org/drawingml/2006/main" xmlns:r="http://schemas.openxmlformats.org/officeDocument/2006/relationships" xmlns:p="http://schemas.openxmlformats.org/presentationml/2006/main">
+  <p:cSld>
+    <p:spTree>
+      <p:nvGrpSpPr>
+        <p:cNvPr id="1" name="">
+          <a:extLst>
+            <a:ext uri="{FF2B5EF4-FFF2-40B4-BE49-F238E27FC236}">
+              <a16:creationId xmlns:a16="http://schemas.microsoft.com/office/drawing/2014/main" id="{B8DBD08A-6882-FF69-2515-9566D52B0A9F}"/>
+            </a:ext>
+          </a:extLst>
+        </p:cNvPr>
+        <p:cNvGrpSpPr/>
+        <p:nvPr/>
+      </p:nvGrpSpPr>
+      <p:grpSpPr>
+        <a:xfrm>
+          <a:off x="0" y="0"/>
+          <a:ext cx="0" cy="0"/>
+          <a:chOff x="0" y="0"/>
+          <a:chExt cx="0" cy="0"/>
+        </a:xfrm>
+      </p:grpSpPr>
+      <p:sp>
+        <p:nvSpPr>
+          <p:cNvPr id="2" name="Slide Image Placeholder 1">
+            <a:extLst>
+              <a:ext uri="{FF2B5EF4-FFF2-40B4-BE49-F238E27FC236}">
+                <a16:creationId xmlns:a16="http://schemas.microsoft.com/office/drawing/2014/main" id="{8FD7B1FB-B41B-5CB5-AE9A-A2F3DC5562FF}"/>
+              </a:ext>
+            </a:extLst>
+          </p:cNvPr>
+          <p:cNvSpPr>
+            <a:spLocks noGrp="1" noRot="1" noChangeAspect="1"/>
+          </p:cNvSpPr>
+          <p:nvPr>
+            <p:ph type="sldImg"/>
+          </p:nvPr>
+        </p:nvSpPr>
+        <p:spPr/>
+      </p:sp>
+      <p:sp>
+        <p:nvSpPr>
+          <p:cNvPr id="3" name="Notes Placeholder 2">
+            <a:extLst>
+              <a:ext uri="{FF2B5EF4-FFF2-40B4-BE49-F238E27FC236}">
+                <a16:creationId xmlns:a16="http://schemas.microsoft.com/office/drawing/2014/main" id="{354EC992-925F-EA64-0255-50333270E1BA}"/>
+              </a:ext>
+            </a:extLst>
+          </p:cNvPr>
+          <p:cNvSpPr>
+            <a:spLocks noGrp="1"/>
+          </p:cNvSpPr>
+          <p:nvPr>
+            <p:ph type="body" idx="1"/>
+          </p:nvPr>
+        </p:nvSpPr>
+        <p:spPr/>
+        <p:txBody>
+          <a:bodyPr/>
+          <a:lstStyle/>
+          <a:p>
+            <a:endParaRPr lang="en-US"/>
+          </a:p>
+        </p:txBody>
+      </p:sp>
+      <p:sp>
+        <p:nvSpPr>
+          <p:cNvPr id="4" name="Slide Number Placeholder 3">
+            <a:extLst>
+              <a:ext uri="{FF2B5EF4-FFF2-40B4-BE49-F238E27FC236}">
+                <a16:creationId xmlns:a16="http://schemas.microsoft.com/office/drawing/2014/main" id="{46FF07B2-585D-0938-C2AF-830B9A24DB26}"/>
+              </a:ext>
+            </a:extLst>
+          </p:cNvPr>
+          <p:cNvSpPr>
+            <a:spLocks noGrp="1"/>
+          </p:cNvSpPr>
+          <p:nvPr>
+            <p:ph type="sldNum" sz="quarter" idx="5"/>
+          </p:nvPr>
+        </p:nvSpPr>
+        <p:spPr/>
+        <p:txBody>
+          <a:bodyPr/>
+          <a:lstStyle/>
+          <a:p>
+            <a:fld id="{659E7695-2856-4E04-B435-7203877CB9AD}" type="slidenum">
+              <a:rPr lang="en-US" smtClean="0"/>
+              <a:t>11</a:t>
+            </a:fld>
+            <a:endParaRPr lang="en-US"/>
+          </a:p>
+        </p:txBody>
+      </p:sp>
+    </p:spTree>
+    <p:extLst>
+      <p:ext uri="{BB962C8B-B14F-4D97-AF65-F5344CB8AC3E}">
+        <p14:creationId xmlns:p14="http://schemas.microsoft.com/office/powerpoint/2010/main" val="909353307"/>
+      </p:ext>
+    </p:extLst>
+  </p:cSld>
+  <p:clrMapOvr>
+    <a:masterClrMapping/>
+  </p:clrMapOvr>
+</p:notes>
+</file>
+
 <file path=ppt/notesSlides/notesSlide2.xml><?xml version="1.0" encoding="utf-8"?>
 <p:notes xmlns:a="http://schemas.openxmlformats.org/drawingml/2006/main" xmlns:r="http://schemas.openxmlformats.org/officeDocument/2006/relationships" xmlns:p="http://schemas.openxmlformats.org/presentationml/2006/main">
   <p:cSld>
@@ -999,6 +1221,438 @@
     <p:extLst>
       <p:ext uri="{BB962C8B-B14F-4D97-AF65-F5344CB8AC3E}">
         <p14:creationId xmlns:p14="http://schemas.microsoft.com/office/powerpoint/2010/main" val="1031166610"/>
+      </p:ext>
+    </p:extLst>
+  </p:cSld>
+  <p:clrMapOvr>
+    <a:masterClrMapping/>
+  </p:clrMapOvr>
+</p:notes>
+</file>
+
+<file path=ppt/notesSlides/notesSlide6.xml><?xml version="1.0" encoding="utf-8"?>
+<p:notes xmlns:a="http://schemas.openxmlformats.org/drawingml/2006/main" xmlns:r="http://schemas.openxmlformats.org/officeDocument/2006/relationships" xmlns:p="http://schemas.openxmlformats.org/presentationml/2006/main">
+  <p:cSld>
+    <p:spTree>
+      <p:nvGrpSpPr>
+        <p:cNvPr id="1" name="">
+          <a:extLst>
+            <a:ext uri="{FF2B5EF4-FFF2-40B4-BE49-F238E27FC236}">
+              <a16:creationId xmlns:a16="http://schemas.microsoft.com/office/drawing/2014/main" id="{2175E16D-11E2-BABB-AEF8-558E4BB870E7}"/>
+            </a:ext>
+          </a:extLst>
+        </p:cNvPr>
+        <p:cNvGrpSpPr/>
+        <p:nvPr/>
+      </p:nvGrpSpPr>
+      <p:grpSpPr>
+        <a:xfrm>
+          <a:off x="0" y="0"/>
+          <a:ext cx="0" cy="0"/>
+          <a:chOff x="0" y="0"/>
+          <a:chExt cx="0" cy="0"/>
+        </a:xfrm>
+      </p:grpSpPr>
+      <p:sp>
+        <p:nvSpPr>
+          <p:cNvPr id="2" name="Slide Image Placeholder 1">
+            <a:extLst>
+              <a:ext uri="{FF2B5EF4-FFF2-40B4-BE49-F238E27FC236}">
+                <a16:creationId xmlns:a16="http://schemas.microsoft.com/office/drawing/2014/main" id="{38CAFAC8-8BCD-D10A-5F15-3BFE4CE72152}"/>
+              </a:ext>
+            </a:extLst>
+          </p:cNvPr>
+          <p:cNvSpPr>
+            <a:spLocks noGrp="1" noRot="1" noChangeAspect="1"/>
+          </p:cNvSpPr>
+          <p:nvPr>
+            <p:ph type="sldImg"/>
+          </p:nvPr>
+        </p:nvSpPr>
+        <p:spPr/>
+      </p:sp>
+      <p:sp>
+        <p:nvSpPr>
+          <p:cNvPr id="3" name="Notes Placeholder 2">
+            <a:extLst>
+              <a:ext uri="{FF2B5EF4-FFF2-40B4-BE49-F238E27FC236}">
+                <a16:creationId xmlns:a16="http://schemas.microsoft.com/office/drawing/2014/main" id="{1B8464BE-844F-8F04-726C-A8EDC759888A}"/>
+              </a:ext>
+            </a:extLst>
+          </p:cNvPr>
+          <p:cNvSpPr>
+            <a:spLocks noGrp="1"/>
+          </p:cNvSpPr>
+          <p:nvPr>
+            <p:ph type="body" idx="1"/>
+          </p:nvPr>
+        </p:nvSpPr>
+        <p:spPr/>
+        <p:txBody>
+          <a:bodyPr/>
+          <a:lstStyle/>
+          <a:p>
+            <a:endParaRPr lang="en-US"/>
+          </a:p>
+        </p:txBody>
+      </p:sp>
+      <p:sp>
+        <p:nvSpPr>
+          <p:cNvPr id="4" name="Slide Number Placeholder 3">
+            <a:extLst>
+              <a:ext uri="{FF2B5EF4-FFF2-40B4-BE49-F238E27FC236}">
+                <a16:creationId xmlns:a16="http://schemas.microsoft.com/office/drawing/2014/main" id="{28B5E3A1-FEFE-6609-5B3E-53BB985F6CA2}"/>
+              </a:ext>
+            </a:extLst>
+          </p:cNvPr>
+          <p:cNvSpPr>
+            <a:spLocks noGrp="1"/>
+          </p:cNvSpPr>
+          <p:nvPr>
+            <p:ph type="sldNum" sz="quarter" idx="5"/>
+          </p:nvPr>
+        </p:nvSpPr>
+        <p:spPr/>
+        <p:txBody>
+          <a:bodyPr/>
+          <a:lstStyle/>
+          <a:p>
+            <a:fld id="{659E7695-2856-4E04-B435-7203877CB9AD}" type="slidenum">
+              <a:rPr lang="en-US" smtClean="0"/>
+              <a:t>6</a:t>
+            </a:fld>
+            <a:endParaRPr lang="en-US"/>
+          </a:p>
+        </p:txBody>
+      </p:sp>
+    </p:spTree>
+    <p:extLst>
+      <p:ext uri="{BB962C8B-B14F-4D97-AF65-F5344CB8AC3E}">
+        <p14:creationId xmlns:p14="http://schemas.microsoft.com/office/powerpoint/2010/main" val="1657876681"/>
+      </p:ext>
+    </p:extLst>
+  </p:cSld>
+  <p:clrMapOvr>
+    <a:masterClrMapping/>
+  </p:clrMapOvr>
+</p:notes>
+</file>
+
+<file path=ppt/notesSlides/notesSlide7.xml><?xml version="1.0" encoding="utf-8"?>
+<p:notes xmlns:a="http://schemas.openxmlformats.org/drawingml/2006/main" xmlns:r="http://schemas.openxmlformats.org/officeDocument/2006/relationships" xmlns:p="http://schemas.openxmlformats.org/presentationml/2006/main">
+  <p:cSld>
+    <p:spTree>
+      <p:nvGrpSpPr>
+        <p:cNvPr id="1" name="">
+          <a:extLst>
+            <a:ext uri="{FF2B5EF4-FFF2-40B4-BE49-F238E27FC236}">
+              <a16:creationId xmlns:a16="http://schemas.microsoft.com/office/drawing/2014/main" id="{4520976F-A57E-3788-9531-8607F27659B2}"/>
+            </a:ext>
+          </a:extLst>
+        </p:cNvPr>
+        <p:cNvGrpSpPr/>
+        <p:nvPr/>
+      </p:nvGrpSpPr>
+      <p:grpSpPr>
+        <a:xfrm>
+          <a:off x="0" y="0"/>
+          <a:ext cx="0" cy="0"/>
+          <a:chOff x="0" y="0"/>
+          <a:chExt cx="0" cy="0"/>
+        </a:xfrm>
+      </p:grpSpPr>
+      <p:sp>
+        <p:nvSpPr>
+          <p:cNvPr id="2" name="Slide Image Placeholder 1">
+            <a:extLst>
+              <a:ext uri="{FF2B5EF4-FFF2-40B4-BE49-F238E27FC236}">
+                <a16:creationId xmlns:a16="http://schemas.microsoft.com/office/drawing/2014/main" id="{E7CCFE20-7884-541F-3639-0012A469CBEF}"/>
+              </a:ext>
+            </a:extLst>
+          </p:cNvPr>
+          <p:cNvSpPr>
+            <a:spLocks noGrp="1" noRot="1" noChangeAspect="1"/>
+          </p:cNvSpPr>
+          <p:nvPr>
+            <p:ph type="sldImg"/>
+          </p:nvPr>
+        </p:nvSpPr>
+        <p:spPr/>
+      </p:sp>
+      <p:sp>
+        <p:nvSpPr>
+          <p:cNvPr id="3" name="Notes Placeholder 2">
+            <a:extLst>
+              <a:ext uri="{FF2B5EF4-FFF2-40B4-BE49-F238E27FC236}">
+                <a16:creationId xmlns:a16="http://schemas.microsoft.com/office/drawing/2014/main" id="{1E07EF94-FEA6-B51D-742B-AC7A5137BE16}"/>
+              </a:ext>
+            </a:extLst>
+          </p:cNvPr>
+          <p:cNvSpPr>
+            <a:spLocks noGrp="1"/>
+          </p:cNvSpPr>
+          <p:nvPr>
+            <p:ph type="body" idx="1"/>
+          </p:nvPr>
+        </p:nvSpPr>
+        <p:spPr/>
+        <p:txBody>
+          <a:bodyPr/>
+          <a:lstStyle/>
+          <a:p>
+            <a:endParaRPr lang="en-US"/>
+          </a:p>
+        </p:txBody>
+      </p:sp>
+      <p:sp>
+        <p:nvSpPr>
+          <p:cNvPr id="4" name="Slide Number Placeholder 3">
+            <a:extLst>
+              <a:ext uri="{FF2B5EF4-FFF2-40B4-BE49-F238E27FC236}">
+                <a16:creationId xmlns:a16="http://schemas.microsoft.com/office/drawing/2014/main" id="{C2179FD0-BF80-AFA1-6C84-A076A6D25B6E}"/>
+              </a:ext>
+            </a:extLst>
+          </p:cNvPr>
+          <p:cNvSpPr>
+            <a:spLocks noGrp="1"/>
+          </p:cNvSpPr>
+          <p:nvPr>
+            <p:ph type="sldNum" sz="quarter" idx="5"/>
+          </p:nvPr>
+        </p:nvSpPr>
+        <p:spPr/>
+        <p:txBody>
+          <a:bodyPr/>
+          <a:lstStyle/>
+          <a:p>
+            <a:fld id="{659E7695-2856-4E04-B435-7203877CB9AD}" type="slidenum">
+              <a:rPr lang="en-US" smtClean="0"/>
+              <a:t>7</a:t>
+            </a:fld>
+            <a:endParaRPr lang="en-US"/>
+          </a:p>
+        </p:txBody>
+      </p:sp>
+    </p:spTree>
+    <p:extLst>
+      <p:ext uri="{BB962C8B-B14F-4D97-AF65-F5344CB8AC3E}">
+        <p14:creationId xmlns:p14="http://schemas.microsoft.com/office/powerpoint/2010/main" val="3788249737"/>
+      </p:ext>
+    </p:extLst>
+  </p:cSld>
+  <p:clrMapOvr>
+    <a:masterClrMapping/>
+  </p:clrMapOvr>
+</p:notes>
+</file>
+
+<file path=ppt/notesSlides/notesSlide8.xml><?xml version="1.0" encoding="utf-8"?>
+<p:notes xmlns:a="http://schemas.openxmlformats.org/drawingml/2006/main" xmlns:r="http://schemas.openxmlformats.org/officeDocument/2006/relationships" xmlns:p="http://schemas.openxmlformats.org/presentationml/2006/main">
+  <p:cSld>
+    <p:spTree>
+      <p:nvGrpSpPr>
+        <p:cNvPr id="1" name="">
+          <a:extLst>
+            <a:ext uri="{FF2B5EF4-FFF2-40B4-BE49-F238E27FC236}">
+              <a16:creationId xmlns:a16="http://schemas.microsoft.com/office/drawing/2014/main" id="{FFA621C1-B369-12BB-2F32-811EABB07111}"/>
+            </a:ext>
+          </a:extLst>
+        </p:cNvPr>
+        <p:cNvGrpSpPr/>
+        <p:nvPr/>
+      </p:nvGrpSpPr>
+      <p:grpSpPr>
+        <a:xfrm>
+          <a:off x="0" y="0"/>
+          <a:ext cx="0" cy="0"/>
+          <a:chOff x="0" y="0"/>
+          <a:chExt cx="0" cy="0"/>
+        </a:xfrm>
+      </p:grpSpPr>
+      <p:sp>
+        <p:nvSpPr>
+          <p:cNvPr id="2" name="Slide Image Placeholder 1">
+            <a:extLst>
+              <a:ext uri="{FF2B5EF4-FFF2-40B4-BE49-F238E27FC236}">
+                <a16:creationId xmlns:a16="http://schemas.microsoft.com/office/drawing/2014/main" id="{B4504BE4-C679-858D-21E6-988DE86A49D8}"/>
+              </a:ext>
+            </a:extLst>
+          </p:cNvPr>
+          <p:cNvSpPr>
+            <a:spLocks noGrp="1" noRot="1" noChangeAspect="1"/>
+          </p:cNvSpPr>
+          <p:nvPr>
+            <p:ph type="sldImg"/>
+          </p:nvPr>
+        </p:nvSpPr>
+        <p:spPr/>
+      </p:sp>
+      <p:sp>
+        <p:nvSpPr>
+          <p:cNvPr id="3" name="Notes Placeholder 2">
+            <a:extLst>
+              <a:ext uri="{FF2B5EF4-FFF2-40B4-BE49-F238E27FC236}">
+                <a16:creationId xmlns:a16="http://schemas.microsoft.com/office/drawing/2014/main" id="{49F6C679-5665-2928-7432-EE9C48A6CE0B}"/>
+              </a:ext>
+            </a:extLst>
+          </p:cNvPr>
+          <p:cNvSpPr>
+            <a:spLocks noGrp="1"/>
+          </p:cNvSpPr>
+          <p:nvPr>
+            <p:ph type="body" idx="1"/>
+          </p:nvPr>
+        </p:nvSpPr>
+        <p:spPr/>
+        <p:txBody>
+          <a:bodyPr/>
+          <a:lstStyle/>
+          <a:p>
+            <a:endParaRPr lang="en-US"/>
+          </a:p>
+        </p:txBody>
+      </p:sp>
+      <p:sp>
+        <p:nvSpPr>
+          <p:cNvPr id="4" name="Slide Number Placeholder 3">
+            <a:extLst>
+              <a:ext uri="{FF2B5EF4-FFF2-40B4-BE49-F238E27FC236}">
+                <a16:creationId xmlns:a16="http://schemas.microsoft.com/office/drawing/2014/main" id="{6BFF3A9E-DBBD-5C6E-C8E7-AAFE009C5FC5}"/>
+              </a:ext>
+            </a:extLst>
+          </p:cNvPr>
+          <p:cNvSpPr>
+            <a:spLocks noGrp="1"/>
+          </p:cNvSpPr>
+          <p:nvPr>
+            <p:ph type="sldNum" sz="quarter" idx="5"/>
+          </p:nvPr>
+        </p:nvSpPr>
+        <p:spPr/>
+        <p:txBody>
+          <a:bodyPr/>
+          <a:lstStyle/>
+          <a:p>
+            <a:fld id="{659E7695-2856-4E04-B435-7203877CB9AD}" type="slidenum">
+              <a:rPr lang="en-US" smtClean="0"/>
+              <a:t>8</a:t>
+            </a:fld>
+            <a:endParaRPr lang="en-US"/>
+          </a:p>
+        </p:txBody>
+      </p:sp>
+    </p:spTree>
+    <p:extLst>
+      <p:ext uri="{BB962C8B-B14F-4D97-AF65-F5344CB8AC3E}">
+        <p14:creationId xmlns:p14="http://schemas.microsoft.com/office/powerpoint/2010/main" val="441561515"/>
+      </p:ext>
+    </p:extLst>
+  </p:cSld>
+  <p:clrMapOvr>
+    <a:masterClrMapping/>
+  </p:clrMapOvr>
+</p:notes>
+</file>
+
+<file path=ppt/notesSlides/notesSlide9.xml><?xml version="1.0" encoding="utf-8"?>
+<p:notes xmlns:a="http://schemas.openxmlformats.org/drawingml/2006/main" xmlns:r="http://schemas.openxmlformats.org/officeDocument/2006/relationships" xmlns:p="http://schemas.openxmlformats.org/presentationml/2006/main">
+  <p:cSld>
+    <p:spTree>
+      <p:nvGrpSpPr>
+        <p:cNvPr id="1" name="">
+          <a:extLst>
+            <a:ext uri="{FF2B5EF4-FFF2-40B4-BE49-F238E27FC236}">
+              <a16:creationId xmlns:a16="http://schemas.microsoft.com/office/drawing/2014/main" id="{09073E3C-E52B-0309-D5C8-91819CE25831}"/>
+            </a:ext>
+          </a:extLst>
+        </p:cNvPr>
+        <p:cNvGrpSpPr/>
+        <p:nvPr/>
+      </p:nvGrpSpPr>
+      <p:grpSpPr>
+        <a:xfrm>
+          <a:off x="0" y="0"/>
+          <a:ext cx="0" cy="0"/>
+          <a:chOff x="0" y="0"/>
+          <a:chExt cx="0" cy="0"/>
+        </a:xfrm>
+      </p:grpSpPr>
+      <p:sp>
+        <p:nvSpPr>
+          <p:cNvPr id="2" name="Slide Image Placeholder 1">
+            <a:extLst>
+              <a:ext uri="{FF2B5EF4-FFF2-40B4-BE49-F238E27FC236}">
+                <a16:creationId xmlns:a16="http://schemas.microsoft.com/office/drawing/2014/main" id="{1F0A75E6-B0B7-331D-7556-437BA15B267C}"/>
+              </a:ext>
+            </a:extLst>
+          </p:cNvPr>
+          <p:cNvSpPr>
+            <a:spLocks noGrp="1" noRot="1" noChangeAspect="1"/>
+          </p:cNvSpPr>
+          <p:nvPr>
+            <p:ph type="sldImg"/>
+          </p:nvPr>
+        </p:nvSpPr>
+        <p:spPr/>
+      </p:sp>
+      <p:sp>
+        <p:nvSpPr>
+          <p:cNvPr id="3" name="Notes Placeholder 2">
+            <a:extLst>
+              <a:ext uri="{FF2B5EF4-FFF2-40B4-BE49-F238E27FC236}">
+                <a16:creationId xmlns:a16="http://schemas.microsoft.com/office/drawing/2014/main" id="{4E6387B4-209D-E697-689A-26CF9B51C390}"/>
+              </a:ext>
+            </a:extLst>
+          </p:cNvPr>
+          <p:cNvSpPr>
+            <a:spLocks noGrp="1"/>
+          </p:cNvSpPr>
+          <p:nvPr>
+            <p:ph type="body" idx="1"/>
+          </p:nvPr>
+        </p:nvSpPr>
+        <p:spPr/>
+        <p:txBody>
+          <a:bodyPr/>
+          <a:lstStyle/>
+          <a:p>
+            <a:endParaRPr lang="en-US"/>
+          </a:p>
+        </p:txBody>
+      </p:sp>
+      <p:sp>
+        <p:nvSpPr>
+          <p:cNvPr id="4" name="Slide Number Placeholder 3">
+            <a:extLst>
+              <a:ext uri="{FF2B5EF4-FFF2-40B4-BE49-F238E27FC236}">
+                <a16:creationId xmlns:a16="http://schemas.microsoft.com/office/drawing/2014/main" id="{4699D6E4-7109-EF62-3923-1CF49DDF18B1}"/>
+              </a:ext>
+            </a:extLst>
+          </p:cNvPr>
+          <p:cNvSpPr>
+            <a:spLocks noGrp="1"/>
+          </p:cNvSpPr>
+          <p:nvPr>
+            <p:ph type="sldNum" sz="quarter" idx="5"/>
+          </p:nvPr>
+        </p:nvSpPr>
+        <p:spPr/>
+        <p:txBody>
+          <a:bodyPr/>
+          <a:lstStyle/>
+          <a:p>
+            <a:fld id="{659E7695-2856-4E04-B435-7203877CB9AD}" type="slidenum">
+              <a:rPr lang="en-US" smtClean="0"/>
+              <a:t>9</a:t>
+            </a:fld>
+            <a:endParaRPr lang="en-US"/>
+          </a:p>
+        </p:txBody>
+      </p:sp>
+    </p:spTree>
+    <p:extLst>
+      <p:ext uri="{BB962C8B-B14F-4D97-AF65-F5344CB8AC3E}">
+        <p14:creationId xmlns:p14="http://schemas.microsoft.com/office/powerpoint/2010/main" val="1511318262"/>
       </p:ext>
     </p:extLst>
   </p:cSld>
@@ -4513,6 +5167,154 @@
 </p:sld>
 </file>
 
+<file path=ppt/slides/slide10.xml><?xml version="1.0" encoding="utf-8"?>
+<p:sld xmlns:a="http://schemas.openxmlformats.org/drawingml/2006/main" xmlns:r="http://schemas.openxmlformats.org/officeDocument/2006/relationships" xmlns:p="http://schemas.openxmlformats.org/presentationml/2006/main">
+  <p:cSld>
+    <p:spTree>
+      <p:nvGrpSpPr>
+        <p:cNvPr id="1" name="">
+          <a:extLst>
+            <a:ext uri="{FF2B5EF4-FFF2-40B4-BE49-F238E27FC236}">
+              <a16:creationId xmlns:a16="http://schemas.microsoft.com/office/drawing/2014/main" id="{E5CB7618-C82B-1D5C-8ECF-8BF69D22052A}"/>
+            </a:ext>
+          </a:extLst>
+        </p:cNvPr>
+        <p:cNvGrpSpPr/>
+        <p:nvPr/>
+      </p:nvGrpSpPr>
+      <p:grpSpPr>
+        <a:xfrm>
+          <a:off x="0" y="0"/>
+          <a:ext cx="0" cy="0"/>
+          <a:chOff x="0" y="0"/>
+          <a:chExt cx="0" cy="0"/>
+        </a:xfrm>
+      </p:grpSpPr>
+      <p:sp>
+        <p:nvSpPr>
+          <p:cNvPr id="3" name="TextBox 2">
+            <a:extLst>
+              <a:ext uri="{FF2B5EF4-FFF2-40B4-BE49-F238E27FC236}">
+                <a16:creationId xmlns:a16="http://schemas.microsoft.com/office/drawing/2014/main" id="{99BDAEF2-2D39-8200-D7F6-166FD7D5F52E}"/>
+              </a:ext>
+            </a:extLst>
+          </p:cNvPr>
+          <p:cNvSpPr txBox="1"/>
+          <p:nvPr/>
+        </p:nvSpPr>
+        <p:spPr>
+          <a:xfrm>
+            <a:off x="107004" y="158874"/>
+            <a:ext cx="11984477" cy="338554"/>
+          </a:xfrm>
+          <a:prstGeom prst="rect">
+            <a:avLst/>
+          </a:prstGeom>
+          <a:noFill/>
+        </p:spPr>
+        <p:txBody>
+          <a:bodyPr wrap="square">
+            <a:spAutoFit/>
+          </a:bodyPr>
+          <a:lstStyle/>
+          <a:p>
+            <a:pPr>
+              <a:buNone/>
+            </a:pPr>
+            <a:r>
+              <a:rPr lang="en-US" sz="1600"/>
+              <a:t>.</a:t>
+            </a:r>
+          </a:p>
+        </p:txBody>
+      </p:sp>
+    </p:spTree>
+    <p:extLst>
+      <p:ext uri="{BB962C8B-B14F-4D97-AF65-F5344CB8AC3E}">
+        <p14:creationId xmlns:p14="http://schemas.microsoft.com/office/powerpoint/2010/main" val="1157821580"/>
+      </p:ext>
+    </p:extLst>
+  </p:cSld>
+  <p:clrMapOvr>
+    <a:masterClrMapping/>
+  </p:clrMapOvr>
+</p:sld>
+</file>
+
+<file path=ppt/slides/slide11.xml><?xml version="1.0" encoding="utf-8"?>
+<p:sld xmlns:a="http://schemas.openxmlformats.org/drawingml/2006/main" xmlns:r="http://schemas.openxmlformats.org/officeDocument/2006/relationships" xmlns:p="http://schemas.openxmlformats.org/presentationml/2006/main">
+  <p:cSld>
+    <p:spTree>
+      <p:nvGrpSpPr>
+        <p:cNvPr id="1" name="">
+          <a:extLst>
+            <a:ext uri="{FF2B5EF4-FFF2-40B4-BE49-F238E27FC236}">
+              <a16:creationId xmlns:a16="http://schemas.microsoft.com/office/drawing/2014/main" id="{21605DAC-0BBF-5C48-1B2B-56DA53048EA6}"/>
+            </a:ext>
+          </a:extLst>
+        </p:cNvPr>
+        <p:cNvGrpSpPr/>
+        <p:nvPr/>
+      </p:nvGrpSpPr>
+      <p:grpSpPr>
+        <a:xfrm>
+          <a:off x="0" y="0"/>
+          <a:ext cx="0" cy="0"/>
+          <a:chOff x="0" y="0"/>
+          <a:chExt cx="0" cy="0"/>
+        </a:xfrm>
+      </p:grpSpPr>
+      <p:sp>
+        <p:nvSpPr>
+          <p:cNvPr id="3" name="TextBox 2">
+            <a:extLst>
+              <a:ext uri="{FF2B5EF4-FFF2-40B4-BE49-F238E27FC236}">
+                <a16:creationId xmlns:a16="http://schemas.microsoft.com/office/drawing/2014/main" id="{A909107B-52A4-8FA2-0EF3-F666586B3D62}"/>
+              </a:ext>
+            </a:extLst>
+          </p:cNvPr>
+          <p:cNvSpPr txBox="1"/>
+          <p:nvPr/>
+        </p:nvSpPr>
+        <p:spPr>
+          <a:xfrm>
+            <a:off x="107004" y="158874"/>
+            <a:ext cx="11984477" cy="338554"/>
+          </a:xfrm>
+          <a:prstGeom prst="rect">
+            <a:avLst/>
+          </a:prstGeom>
+          <a:noFill/>
+        </p:spPr>
+        <p:txBody>
+          <a:bodyPr wrap="square">
+            <a:spAutoFit/>
+          </a:bodyPr>
+          <a:lstStyle/>
+          <a:p>
+            <a:pPr>
+              <a:buNone/>
+            </a:pPr>
+            <a:r>
+              <a:rPr lang="en-US" sz="1600"/>
+              <a:t>.</a:t>
+            </a:r>
+          </a:p>
+        </p:txBody>
+      </p:sp>
+    </p:spTree>
+    <p:extLst>
+      <p:ext uri="{BB962C8B-B14F-4D97-AF65-F5344CB8AC3E}">
+        <p14:creationId xmlns:p14="http://schemas.microsoft.com/office/powerpoint/2010/main" val="3312774508"/>
+      </p:ext>
+    </p:extLst>
+  </p:cSld>
+  <p:clrMapOvr>
+    <a:masterClrMapping/>
+  </p:clrMapOvr>
+</p:sld>
+</file>
+
 <file path=ppt/slides/slide2.xml><?xml version="1.0" encoding="utf-8"?>
 <p:sld xmlns:a="http://schemas.openxmlformats.org/drawingml/2006/main" xmlns:r="http://schemas.openxmlformats.org/officeDocument/2006/relationships" xmlns:p="http://schemas.openxmlformats.org/presentationml/2006/main">
   <p:cSld>
@@ -5969,6 +6771,302 @@
     <p:extLst>
       <p:ext uri="{BB962C8B-B14F-4D97-AF65-F5344CB8AC3E}">
         <p14:creationId xmlns:p14="http://schemas.microsoft.com/office/powerpoint/2010/main" val="197370892"/>
+      </p:ext>
+    </p:extLst>
+  </p:cSld>
+  <p:clrMapOvr>
+    <a:masterClrMapping/>
+  </p:clrMapOvr>
+</p:sld>
+</file>
+
+<file path=ppt/slides/slide6.xml><?xml version="1.0" encoding="utf-8"?>
+<p:sld xmlns:a="http://schemas.openxmlformats.org/drawingml/2006/main" xmlns:r="http://schemas.openxmlformats.org/officeDocument/2006/relationships" xmlns:p="http://schemas.openxmlformats.org/presentationml/2006/main">
+  <p:cSld>
+    <p:spTree>
+      <p:nvGrpSpPr>
+        <p:cNvPr id="1" name="">
+          <a:extLst>
+            <a:ext uri="{FF2B5EF4-FFF2-40B4-BE49-F238E27FC236}">
+              <a16:creationId xmlns:a16="http://schemas.microsoft.com/office/drawing/2014/main" id="{B11E20BA-9A68-E48F-927E-AC199675F055}"/>
+            </a:ext>
+          </a:extLst>
+        </p:cNvPr>
+        <p:cNvGrpSpPr/>
+        <p:nvPr/>
+      </p:nvGrpSpPr>
+      <p:grpSpPr>
+        <a:xfrm>
+          <a:off x="0" y="0"/>
+          <a:ext cx="0" cy="0"/>
+          <a:chOff x="0" y="0"/>
+          <a:chExt cx="0" cy="0"/>
+        </a:xfrm>
+      </p:grpSpPr>
+      <p:sp>
+        <p:nvSpPr>
+          <p:cNvPr id="3" name="TextBox 2">
+            <a:extLst>
+              <a:ext uri="{FF2B5EF4-FFF2-40B4-BE49-F238E27FC236}">
+                <a16:creationId xmlns:a16="http://schemas.microsoft.com/office/drawing/2014/main" id="{9F41354C-2532-570C-22EC-793A335C24E0}"/>
+              </a:ext>
+            </a:extLst>
+          </p:cNvPr>
+          <p:cNvSpPr txBox="1"/>
+          <p:nvPr/>
+        </p:nvSpPr>
+        <p:spPr>
+          <a:xfrm>
+            <a:off x="107004" y="158874"/>
+            <a:ext cx="11984477" cy="338554"/>
+          </a:xfrm>
+          <a:prstGeom prst="rect">
+            <a:avLst/>
+          </a:prstGeom>
+          <a:noFill/>
+        </p:spPr>
+        <p:txBody>
+          <a:bodyPr wrap="square">
+            <a:spAutoFit/>
+          </a:bodyPr>
+          <a:lstStyle/>
+          <a:p>
+            <a:pPr>
+              <a:buNone/>
+            </a:pPr>
+            <a:r>
+              <a:rPr lang="en-US" sz="1600"/>
+              <a:t>.</a:t>
+            </a:r>
+          </a:p>
+        </p:txBody>
+      </p:sp>
+    </p:spTree>
+    <p:extLst>
+      <p:ext uri="{BB962C8B-B14F-4D97-AF65-F5344CB8AC3E}">
+        <p14:creationId xmlns:p14="http://schemas.microsoft.com/office/powerpoint/2010/main" val="3946589133"/>
+      </p:ext>
+    </p:extLst>
+  </p:cSld>
+  <p:clrMapOvr>
+    <a:masterClrMapping/>
+  </p:clrMapOvr>
+</p:sld>
+</file>
+
+<file path=ppt/slides/slide7.xml><?xml version="1.0" encoding="utf-8"?>
+<p:sld xmlns:a="http://schemas.openxmlformats.org/drawingml/2006/main" xmlns:r="http://schemas.openxmlformats.org/officeDocument/2006/relationships" xmlns:p="http://schemas.openxmlformats.org/presentationml/2006/main">
+  <p:cSld>
+    <p:spTree>
+      <p:nvGrpSpPr>
+        <p:cNvPr id="1" name="">
+          <a:extLst>
+            <a:ext uri="{FF2B5EF4-FFF2-40B4-BE49-F238E27FC236}">
+              <a16:creationId xmlns:a16="http://schemas.microsoft.com/office/drawing/2014/main" id="{85BD92CE-987A-F420-F88A-B2EAE8046C0D}"/>
+            </a:ext>
+          </a:extLst>
+        </p:cNvPr>
+        <p:cNvGrpSpPr/>
+        <p:nvPr/>
+      </p:nvGrpSpPr>
+      <p:grpSpPr>
+        <a:xfrm>
+          <a:off x="0" y="0"/>
+          <a:ext cx="0" cy="0"/>
+          <a:chOff x="0" y="0"/>
+          <a:chExt cx="0" cy="0"/>
+        </a:xfrm>
+      </p:grpSpPr>
+      <p:sp>
+        <p:nvSpPr>
+          <p:cNvPr id="3" name="TextBox 2">
+            <a:extLst>
+              <a:ext uri="{FF2B5EF4-FFF2-40B4-BE49-F238E27FC236}">
+                <a16:creationId xmlns:a16="http://schemas.microsoft.com/office/drawing/2014/main" id="{3F08B0AA-FDD2-617C-8287-E5C495594ABD}"/>
+              </a:ext>
+            </a:extLst>
+          </p:cNvPr>
+          <p:cNvSpPr txBox="1"/>
+          <p:nvPr/>
+        </p:nvSpPr>
+        <p:spPr>
+          <a:xfrm>
+            <a:off x="107004" y="158874"/>
+            <a:ext cx="11984477" cy="338554"/>
+          </a:xfrm>
+          <a:prstGeom prst="rect">
+            <a:avLst/>
+          </a:prstGeom>
+          <a:noFill/>
+        </p:spPr>
+        <p:txBody>
+          <a:bodyPr wrap="square">
+            <a:spAutoFit/>
+          </a:bodyPr>
+          <a:lstStyle/>
+          <a:p>
+            <a:pPr>
+              <a:buNone/>
+            </a:pPr>
+            <a:r>
+              <a:rPr lang="en-US" sz="1600"/>
+              <a:t>.</a:t>
+            </a:r>
+          </a:p>
+        </p:txBody>
+      </p:sp>
+    </p:spTree>
+    <p:extLst>
+      <p:ext uri="{BB962C8B-B14F-4D97-AF65-F5344CB8AC3E}">
+        <p14:creationId xmlns:p14="http://schemas.microsoft.com/office/powerpoint/2010/main" val="2327955649"/>
+      </p:ext>
+    </p:extLst>
+  </p:cSld>
+  <p:clrMapOvr>
+    <a:masterClrMapping/>
+  </p:clrMapOvr>
+</p:sld>
+</file>
+
+<file path=ppt/slides/slide8.xml><?xml version="1.0" encoding="utf-8"?>
+<p:sld xmlns:a="http://schemas.openxmlformats.org/drawingml/2006/main" xmlns:r="http://schemas.openxmlformats.org/officeDocument/2006/relationships" xmlns:p="http://schemas.openxmlformats.org/presentationml/2006/main">
+  <p:cSld>
+    <p:spTree>
+      <p:nvGrpSpPr>
+        <p:cNvPr id="1" name="">
+          <a:extLst>
+            <a:ext uri="{FF2B5EF4-FFF2-40B4-BE49-F238E27FC236}">
+              <a16:creationId xmlns:a16="http://schemas.microsoft.com/office/drawing/2014/main" id="{6B7B5A5D-8650-AA2F-1B53-DC3AE66E7CCE}"/>
+            </a:ext>
+          </a:extLst>
+        </p:cNvPr>
+        <p:cNvGrpSpPr/>
+        <p:nvPr/>
+      </p:nvGrpSpPr>
+      <p:grpSpPr>
+        <a:xfrm>
+          <a:off x="0" y="0"/>
+          <a:ext cx="0" cy="0"/>
+          <a:chOff x="0" y="0"/>
+          <a:chExt cx="0" cy="0"/>
+        </a:xfrm>
+      </p:grpSpPr>
+      <p:sp>
+        <p:nvSpPr>
+          <p:cNvPr id="3" name="TextBox 2">
+            <a:extLst>
+              <a:ext uri="{FF2B5EF4-FFF2-40B4-BE49-F238E27FC236}">
+                <a16:creationId xmlns:a16="http://schemas.microsoft.com/office/drawing/2014/main" id="{ADED170F-9F22-E4C3-57EC-9A2F65C5682C}"/>
+              </a:ext>
+            </a:extLst>
+          </p:cNvPr>
+          <p:cNvSpPr txBox="1"/>
+          <p:nvPr/>
+        </p:nvSpPr>
+        <p:spPr>
+          <a:xfrm>
+            <a:off x="107004" y="158874"/>
+            <a:ext cx="11984477" cy="338554"/>
+          </a:xfrm>
+          <a:prstGeom prst="rect">
+            <a:avLst/>
+          </a:prstGeom>
+          <a:noFill/>
+        </p:spPr>
+        <p:txBody>
+          <a:bodyPr wrap="square">
+            <a:spAutoFit/>
+          </a:bodyPr>
+          <a:lstStyle/>
+          <a:p>
+            <a:pPr>
+              <a:buNone/>
+            </a:pPr>
+            <a:r>
+              <a:rPr lang="en-US" sz="1600"/>
+              <a:t>.</a:t>
+            </a:r>
+          </a:p>
+        </p:txBody>
+      </p:sp>
+    </p:spTree>
+    <p:extLst>
+      <p:ext uri="{BB962C8B-B14F-4D97-AF65-F5344CB8AC3E}">
+        <p14:creationId xmlns:p14="http://schemas.microsoft.com/office/powerpoint/2010/main" val="3553263222"/>
+      </p:ext>
+    </p:extLst>
+  </p:cSld>
+  <p:clrMapOvr>
+    <a:masterClrMapping/>
+  </p:clrMapOvr>
+</p:sld>
+</file>
+
+<file path=ppt/slides/slide9.xml><?xml version="1.0" encoding="utf-8"?>
+<p:sld xmlns:a="http://schemas.openxmlformats.org/drawingml/2006/main" xmlns:r="http://schemas.openxmlformats.org/officeDocument/2006/relationships" xmlns:p="http://schemas.openxmlformats.org/presentationml/2006/main">
+  <p:cSld>
+    <p:spTree>
+      <p:nvGrpSpPr>
+        <p:cNvPr id="1" name="">
+          <a:extLst>
+            <a:ext uri="{FF2B5EF4-FFF2-40B4-BE49-F238E27FC236}">
+              <a16:creationId xmlns:a16="http://schemas.microsoft.com/office/drawing/2014/main" id="{4AE762E5-133D-547E-D4FB-D5DA9E010F07}"/>
+            </a:ext>
+          </a:extLst>
+        </p:cNvPr>
+        <p:cNvGrpSpPr/>
+        <p:nvPr/>
+      </p:nvGrpSpPr>
+      <p:grpSpPr>
+        <a:xfrm>
+          <a:off x="0" y="0"/>
+          <a:ext cx="0" cy="0"/>
+          <a:chOff x="0" y="0"/>
+          <a:chExt cx="0" cy="0"/>
+        </a:xfrm>
+      </p:grpSpPr>
+      <p:sp>
+        <p:nvSpPr>
+          <p:cNvPr id="3" name="TextBox 2">
+            <a:extLst>
+              <a:ext uri="{FF2B5EF4-FFF2-40B4-BE49-F238E27FC236}">
+                <a16:creationId xmlns:a16="http://schemas.microsoft.com/office/drawing/2014/main" id="{5CC6D389-38CF-FDA3-DF81-6EFFAF7C983F}"/>
+              </a:ext>
+            </a:extLst>
+          </p:cNvPr>
+          <p:cNvSpPr txBox="1"/>
+          <p:nvPr/>
+        </p:nvSpPr>
+        <p:spPr>
+          <a:xfrm>
+            <a:off x="107004" y="158874"/>
+            <a:ext cx="11984477" cy="338554"/>
+          </a:xfrm>
+          <a:prstGeom prst="rect">
+            <a:avLst/>
+          </a:prstGeom>
+          <a:noFill/>
+        </p:spPr>
+        <p:txBody>
+          <a:bodyPr wrap="square">
+            <a:spAutoFit/>
+          </a:bodyPr>
+          <a:lstStyle/>
+          <a:p>
+            <a:pPr>
+              <a:buNone/>
+            </a:pPr>
+            <a:r>
+              <a:rPr lang="en-US" sz="1600"/>
+              <a:t>.</a:t>
+            </a:r>
+          </a:p>
+        </p:txBody>
+      </p:sp>
+    </p:spTree>
+    <p:extLst>
+      <p:ext uri="{BB962C8B-B14F-4D97-AF65-F5344CB8AC3E}">
+        <p14:creationId xmlns:p14="http://schemas.microsoft.com/office/powerpoint/2010/main" val="3679485150"/>
       </p:ext>
     </p:extLst>
   </p:cSld>
